--- a/presentation/GIT.pptx
+++ b/presentation/GIT.pptx
@@ -6,7 +6,7 @@
     <p:sldMasterId id="2147483713" r:id="rId2"/>
   </p:sldMasterIdLst>
   <p:notesMasterIdLst>
-    <p:notesMasterId r:id="rId10"/>
+    <p:notesMasterId r:id="rId14"/>
   </p:notesMasterIdLst>
   <p:sldIdLst>
     <p:sldId id="256" r:id="rId3"/>
@@ -15,7 +15,11 @@
     <p:sldId id="259" r:id="rId6"/>
     <p:sldId id="261" r:id="rId7"/>
     <p:sldId id="262" r:id="rId8"/>
-    <p:sldId id="260" r:id="rId9"/>
+    <p:sldId id="264" r:id="rId9"/>
+    <p:sldId id="265" r:id="rId10"/>
+    <p:sldId id="260" r:id="rId11"/>
+    <p:sldId id="266" r:id="rId12"/>
+    <p:sldId id="263" r:id="rId13"/>
   </p:sldIdLst>
   <p:sldSz cx="12192000" cy="6858000"/>
   <p:notesSz cx="6858000" cy="9144000"/>
@@ -114,6 +118,11 @@
       </a:defRPr>
     </a:lvl9pPr>
   </p:defaultTextStyle>
+  <p:extLst>
+    <p:ext uri="{EFAFB233-063F-42B5-8137-9DF3F51BA10A}">
+      <p15:sldGuideLst xmlns:p15="http://schemas.microsoft.com/office/powerpoint/2012/main"/>
+    </p:ext>
+  </p:extLst>
 </p:presentation>
 </file>
 
@@ -625,6 +634,342 @@
     <p:extLst>
       <p:ext uri="{BB962C8B-B14F-4D97-AF65-F5344CB8AC3E}">
         <p14:creationId xmlns:p14="http://schemas.microsoft.com/office/powerpoint/2010/main" val="828840881"/>
+      </p:ext>
+    </p:extLst>
+  </p:cSld>
+  <p:clrMapOvr>
+    <a:masterClrMapping/>
+  </p:clrMapOvr>
+</p:notes>
+</file>
+
+<file path=ppt/notesSlides/notesSlide3.xml><?xml version="1.0" encoding="utf-8"?>
+<p:notes xmlns:a="http://schemas.openxmlformats.org/drawingml/2006/main" xmlns:r="http://schemas.openxmlformats.org/officeDocument/2006/relationships" xmlns:p="http://schemas.openxmlformats.org/presentationml/2006/main">
+  <p:cSld>
+    <p:spTree>
+      <p:nvGrpSpPr>
+        <p:cNvPr id="1" name=""/>
+        <p:cNvGrpSpPr/>
+        <p:nvPr/>
+      </p:nvGrpSpPr>
+      <p:grpSpPr>
+        <a:xfrm>
+          <a:off x="0" y="0"/>
+          <a:ext cx="0" cy="0"/>
+          <a:chOff x="0" y="0"/>
+          <a:chExt cx="0" cy="0"/>
+        </a:xfrm>
+      </p:grpSpPr>
+      <p:sp>
+        <p:nvSpPr>
+          <p:cNvPr id="2" name="Slide Image Placeholder 1"/>
+          <p:cNvSpPr>
+            <a:spLocks noGrp="1" noRot="1" noChangeAspect="1"/>
+          </p:cNvSpPr>
+          <p:nvPr>
+            <p:ph type="sldImg"/>
+          </p:nvPr>
+        </p:nvSpPr>
+        <p:spPr/>
+      </p:sp>
+      <p:sp>
+        <p:nvSpPr>
+          <p:cNvPr id="3" name="Notes Placeholder 2"/>
+          <p:cNvSpPr>
+            <a:spLocks noGrp="1"/>
+          </p:cNvSpPr>
+          <p:nvPr>
+            <p:ph type="body" idx="1"/>
+          </p:nvPr>
+        </p:nvSpPr>
+        <p:spPr/>
+        <p:txBody>
+          <a:bodyPr/>
+          <a:lstStyle/>
+          <a:p>
+            <a:endParaRPr lang="en-US" dirty="0"/>
+          </a:p>
+        </p:txBody>
+      </p:sp>
+      <p:sp>
+        <p:nvSpPr>
+          <p:cNvPr id="4" name="Slide Number Placeholder 3"/>
+          <p:cNvSpPr>
+            <a:spLocks noGrp="1"/>
+          </p:cNvSpPr>
+          <p:nvPr>
+            <p:ph type="sldNum" sz="quarter" idx="5"/>
+          </p:nvPr>
+        </p:nvSpPr>
+        <p:spPr/>
+        <p:txBody>
+          <a:bodyPr/>
+          <a:lstStyle/>
+          <a:p>
+            <a:fld id="{B92E6461-2AF3-4E1B-8525-C6310B1609BE}" type="slidenum">
+              <a:rPr lang="en-US" smtClean="0"/>
+              <a:t>7</a:t>
+            </a:fld>
+            <a:endParaRPr lang="en-US"/>
+          </a:p>
+        </p:txBody>
+      </p:sp>
+    </p:spTree>
+    <p:extLst>
+      <p:ext uri="{BB962C8B-B14F-4D97-AF65-F5344CB8AC3E}">
+        <p14:creationId xmlns:p14="http://schemas.microsoft.com/office/powerpoint/2010/main" val="3643605137"/>
+      </p:ext>
+    </p:extLst>
+  </p:cSld>
+  <p:clrMapOvr>
+    <a:masterClrMapping/>
+  </p:clrMapOvr>
+</p:notes>
+</file>
+
+<file path=ppt/notesSlides/notesSlide4.xml><?xml version="1.0" encoding="utf-8"?>
+<p:notes xmlns:a="http://schemas.openxmlformats.org/drawingml/2006/main" xmlns:r="http://schemas.openxmlformats.org/officeDocument/2006/relationships" xmlns:p="http://schemas.openxmlformats.org/presentationml/2006/main">
+  <p:cSld>
+    <p:spTree>
+      <p:nvGrpSpPr>
+        <p:cNvPr id="1" name=""/>
+        <p:cNvGrpSpPr/>
+        <p:nvPr/>
+      </p:nvGrpSpPr>
+      <p:grpSpPr>
+        <a:xfrm>
+          <a:off x="0" y="0"/>
+          <a:ext cx="0" cy="0"/>
+          <a:chOff x="0" y="0"/>
+          <a:chExt cx="0" cy="0"/>
+        </a:xfrm>
+      </p:grpSpPr>
+      <p:sp>
+        <p:nvSpPr>
+          <p:cNvPr id="2" name="Slide Image Placeholder 1"/>
+          <p:cNvSpPr>
+            <a:spLocks noGrp="1" noRot="1" noChangeAspect="1"/>
+          </p:cNvSpPr>
+          <p:nvPr>
+            <p:ph type="sldImg"/>
+          </p:nvPr>
+        </p:nvSpPr>
+        <p:spPr/>
+      </p:sp>
+      <p:sp>
+        <p:nvSpPr>
+          <p:cNvPr id="3" name="Notes Placeholder 2"/>
+          <p:cNvSpPr>
+            <a:spLocks noGrp="1"/>
+          </p:cNvSpPr>
+          <p:nvPr>
+            <p:ph type="body" idx="1"/>
+          </p:nvPr>
+        </p:nvSpPr>
+        <p:spPr/>
+        <p:txBody>
+          <a:bodyPr/>
+          <a:lstStyle/>
+          <a:p>
+            <a:endParaRPr lang="en-US" dirty="0"/>
+          </a:p>
+        </p:txBody>
+      </p:sp>
+      <p:sp>
+        <p:nvSpPr>
+          <p:cNvPr id="4" name="Slide Number Placeholder 3"/>
+          <p:cNvSpPr>
+            <a:spLocks noGrp="1"/>
+          </p:cNvSpPr>
+          <p:nvPr>
+            <p:ph type="sldNum" sz="quarter" idx="5"/>
+          </p:nvPr>
+        </p:nvSpPr>
+        <p:spPr/>
+        <p:txBody>
+          <a:bodyPr/>
+          <a:lstStyle/>
+          <a:p>
+            <a:fld id="{B92E6461-2AF3-4E1B-8525-C6310B1609BE}" type="slidenum">
+              <a:rPr lang="en-US" smtClean="0"/>
+              <a:t>8</a:t>
+            </a:fld>
+            <a:endParaRPr lang="en-US"/>
+          </a:p>
+        </p:txBody>
+      </p:sp>
+    </p:spTree>
+    <p:extLst>
+      <p:ext uri="{BB962C8B-B14F-4D97-AF65-F5344CB8AC3E}">
+        <p14:creationId xmlns:p14="http://schemas.microsoft.com/office/powerpoint/2010/main" val="415284710"/>
+      </p:ext>
+    </p:extLst>
+  </p:cSld>
+  <p:clrMapOvr>
+    <a:masterClrMapping/>
+  </p:clrMapOvr>
+</p:notes>
+</file>
+
+<file path=ppt/notesSlides/notesSlide5.xml><?xml version="1.0" encoding="utf-8"?>
+<p:notes xmlns:a="http://schemas.openxmlformats.org/drawingml/2006/main" xmlns:r="http://schemas.openxmlformats.org/officeDocument/2006/relationships" xmlns:p="http://schemas.openxmlformats.org/presentationml/2006/main">
+  <p:cSld>
+    <p:spTree>
+      <p:nvGrpSpPr>
+        <p:cNvPr id="1" name=""/>
+        <p:cNvGrpSpPr/>
+        <p:nvPr/>
+      </p:nvGrpSpPr>
+      <p:grpSpPr>
+        <a:xfrm>
+          <a:off x="0" y="0"/>
+          <a:ext cx="0" cy="0"/>
+          <a:chOff x="0" y="0"/>
+          <a:chExt cx="0" cy="0"/>
+        </a:xfrm>
+      </p:grpSpPr>
+      <p:sp>
+        <p:nvSpPr>
+          <p:cNvPr id="2" name="Slide Image Placeholder 1"/>
+          <p:cNvSpPr>
+            <a:spLocks noGrp="1" noRot="1" noChangeAspect="1"/>
+          </p:cNvSpPr>
+          <p:nvPr>
+            <p:ph type="sldImg"/>
+          </p:nvPr>
+        </p:nvSpPr>
+        <p:spPr/>
+      </p:sp>
+      <p:sp>
+        <p:nvSpPr>
+          <p:cNvPr id="3" name="Notes Placeholder 2"/>
+          <p:cNvSpPr>
+            <a:spLocks noGrp="1"/>
+          </p:cNvSpPr>
+          <p:nvPr>
+            <p:ph type="body" idx="1"/>
+          </p:nvPr>
+        </p:nvSpPr>
+        <p:spPr/>
+        <p:txBody>
+          <a:bodyPr/>
+          <a:lstStyle/>
+          <a:p>
+            <a:endParaRPr lang="en-US" dirty="0"/>
+          </a:p>
+        </p:txBody>
+      </p:sp>
+      <p:sp>
+        <p:nvSpPr>
+          <p:cNvPr id="4" name="Slide Number Placeholder 3"/>
+          <p:cNvSpPr>
+            <a:spLocks noGrp="1"/>
+          </p:cNvSpPr>
+          <p:nvPr>
+            <p:ph type="sldNum" sz="quarter" idx="5"/>
+          </p:nvPr>
+        </p:nvSpPr>
+        <p:spPr/>
+        <p:txBody>
+          <a:bodyPr/>
+          <a:lstStyle/>
+          <a:p>
+            <a:fld id="{B92E6461-2AF3-4E1B-8525-C6310B1609BE}" type="slidenum">
+              <a:rPr lang="en-US" smtClean="0"/>
+              <a:t>10</a:t>
+            </a:fld>
+            <a:endParaRPr lang="en-US"/>
+          </a:p>
+        </p:txBody>
+      </p:sp>
+    </p:spTree>
+    <p:extLst>
+      <p:ext uri="{BB962C8B-B14F-4D97-AF65-F5344CB8AC3E}">
+        <p14:creationId xmlns:p14="http://schemas.microsoft.com/office/powerpoint/2010/main" val="3703307824"/>
+      </p:ext>
+    </p:extLst>
+  </p:cSld>
+  <p:clrMapOvr>
+    <a:masterClrMapping/>
+  </p:clrMapOvr>
+</p:notes>
+</file>
+
+<file path=ppt/notesSlides/notesSlide6.xml><?xml version="1.0" encoding="utf-8"?>
+<p:notes xmlns:a="http://schemas.openxmlformats.org/drawingml/2006/main" xmlns:r="http://schemas.openxmlformats.org/officeDocument/2006/relationships" xmlns:p="http://schemas.openxmlformats.org/presentationml/2006/main">
+  <p:cSld>
+    <p:spTree>
+      <p:nvGrpSpPr>
+        <p:cNvPr id="1" name=""/>
+        <p:cNvGrpSpPr/>
+        <p:nvPr/>
+      </p:nvGrpSpPr>
+      <p:grpSpPr>
+        <a:xfrm>
+          <a:off x="0" y="0"/>
+          <a:ext cx="0" cy="0"/>
+          <a:chOff x="0" y="0"/>
+          <a:chExt cx="0" cy="0"/>
+        </a:xfrm>
+      </p:grpSpPr>
+      <p:sp>
+        <p:nvSpPr>
+          <p:cNvPr id="2" name="Slide Image Placeholder 1"/>
+          <p:cNvSpPr>
+            <a:spLocks noGrp="1" noRot="1" noChangeAspect="1"/>
+          </p:cNvSpPr>
+          <p:nvPr>
+            <p:ph type="sldImg"/>
+          </p:nvPr>
+        </p:nvSpPr>
+        <p:spPr/>
+      </p:sp>
+      <p:sp>
+        <p:nvSpPr>
+          <p:cNvPr id="3" name="Notes Placeholder 2"/>
+          <p:cNvSpPr>
+            <a:spLocks noGrp="1"/>
+          </p:cNvSpPr>
+          <p:nvPr>
+            <p:ph type="body" idx="1"/>
+          </p:nvPr>
+        </p:nvSpPr>
+        <p:spPr/>
+        <p:txBody>
+          <a:bodyPr/>
+          <a:lstStyle/>
+          <a:p>
+            <a:endParaRPr lang="en-US" dirty="0"/>
+          </a:p>
+        </p:txBody>
+      </p:sp>
+      <p:sp>
+        <p:nvSpPr>
+          <p:cNvPr id="4" name="Slide Number Placeholder 3"/>
+          <p:cNvSpPr>
+            <a:spLocks noGrp="1"/>
+          </p:cNvSpPr>
+          <p:nvPr>
+            <p:ph type="sldNum" sz="quarter" idx="5"/>
+          </p:nvPr>
+        </p:nvSpPr>
+        <p:spPr/>
+        <p:txBody>
+          <a:bodyPr/>
+          <a:lstStyle/>
+          <a:p>
+            <a:fld id="{B92E6461-2AF3-4E1B-8525-C6310B1609BE}" type="slidenum">
+              <a:rPr lang="en-US" smtClean="0"/>
+              <a:t>11</a:t>
+            </a:fld>
+            <a:endParaRPr lang="en-US"/>
+          </a:p>
+        </p:txBody>
+      </p:sp>
+    </p:spTree>
+    <p:extLst>
+      <p:ext uri="{BB962C8B-B14F-4D97-AF65-F5344CB8AC3E}">
+        <p14:creationId xmlns:p14="http://schemas.microsoft.com/office/powerpoint/2010/main" val="1701448478"/>
       </p:ext>
     </p:extLst>
   </p:cSld>
@@ -7689,7 +8034,7 @@
 </p:sld>
 </file>
 
-<file path=ppt/slides/slide2.xml><?xml version="1.0" encoding="utf-8"?>
+<file path=ppt/slides/slide10.xml><?xml version="1.0" encoding="utf-8"?>
 <p:sld xmlns:a="http://schemas.openxmlformats.org/drawingml/2006/main" xmlns:r="http://schemas.openxmlformats.org/officeDocument/2006/relationships" xmlns:p="http://schemas.openxmlformats.org/presentationml/2006/main">
   <p:cSld>
     <p:spTree>
@@ -7734,7 +8079,7 @@
           <a:p>
             <a:r>
               <a:rPr lang="pl-PL" dirty="0"/>
-              <a:t>Czym jest GIT ?</a:t>
+              <a:t>Ćwiczenie!</a:t>
             </a:r>
             <a:endParaRPr lang="en-US" dirty="0"/>
           </a:p>
@@ -7755,7 +8100,7 @@
           <p:nvPr/>
         </p:nvPicPr>
         <p:blipFill>
-          <a:blip r:embed="rId2">
+          <a:blip r:embed="rId3">
             <a:extLst>
               <a:ext uri="{28A0092B-C50C-407E-A947-70E740481C1C}">
                 <a14:useLocalDpi xmlns:a14="http://schemas.microsoft.com/office/drawing/2010/main" val="0"/>
@@ -7803,7 +8148,7 @@
         </p:nvSpPr>
         <p:spPr>
           <a:xfrm>
-            <a:off x="1524000" y="3632298"/>
+            <a:off x="1524000" y="2377330"/>
             <a:ext cx="9144000" cy="1051670"/>
           </a:xfrm>
           <a:prstGeom prst="rect">
@@ -7849,7 +8194,623 @@
                 <a:effectLst/>
                 <a:latin typeface="Arial" panose="020B0604020202020204" pitchFamily="34" charset="0"/>
               </a:rPr>
-              <a:t>Rozproszony system kontroli wersji śledzi wszystkie zmiany dokonywane na pliku (lub plikach),</a:t>
+              <a:t>Skonfiguruj swojego lokalnego gita</a:t>
+            </a:r>
+            <a:endParaRPr lang="pl-PL" sz="1800" b="1" dirty="0">
+              <a:solidFill>
+                <a:srgbClr val="4E443C"/>
+              </a:solidFill>
+              <a:latin typeface="Arial" panose="020B0604020202020204" pitchFamily="34" charset="0"/>
+            </a:endParaRPr>
+          </a:p>
+          <a:p>
+            <a:pPr marL="857250" indent="-857250" algn="l">
+              <a:lnSpc>
+                <a:spcPct val="150000"/>
+              </a:lnSpc>
+              <a:buFont typeface="Arial" panose="020B0604020202020204" pitchFamily="34" charset="0"/>
+              <a:buChar char="•"/>
+            </a:pPr>
+            <a:endParaRPr lang="en-US" sz="1800" b="1" dirty="0"/>
+          </a:p>
+        </p:txBody>
+      </p:sp>
+      <p:sp>
+        <p:nvSpPr>
+          <p:cNvPr id="9" name="TextBox 8">
+            <a:extLst>
+              <a:ext uri="{FF2B5EF4-FFF2-40B4-BE49-F238E27FC236}">
+                <a16:creationId xmlns:a16="http://schemas.microsoft.com/office/drawing/2014/main" id="{3F78704D-A0AB-46BB-B9FB-B4438C71913E}"/>
+              </a:ext>
+            </a:extLst>
+          </p:cNvPr>
+          <p:cNvSpPr txBox="1"/>
+          <p:nvPr/>
+        </p:nvSpPr>
+        <p:spPr>
+          <a:xfrm>
+            <a:off x="2450856" y="6391855"/>
+            <a:ext cx="6097464" cy="369332"/>
+          </a:xfrm>
+          <a:prstGeom prst="rect">
+            <a:avLst/>
+          </a:prstGeom>
+          <a:noFill/>
+        </p:spPr>
+        <p:txBody>
+          <a:bodyPr wrap="square">
+            <a:spAutoFit/>
+          </a:bodyPr>
+          <a:lstStyle/>
+          <a:p>
+            <a:r>
+              <a:rPr lang="en-US" dirty="0"/>
+              <a:t>https://github.com/icelandico/git_sopot</a:t>
+            </a:r>
+          </a:p>
+        </p:txBody>
+      </p:sp>
+      <p:sp>
+        <p:nvSpPr>
+          <p:cNvPr id="7" name="TextBox 6">
+            <a:extLst>
+              <a:ext uri="{FF2B5EF4-FFF2-40B4-BE49-F238E27FC236}">
+                <a16:creationId xmlns:a16="http://schemas.microsoft.com/office/drawing/2014/main" id="{B41CBC2B-2387-4291-9E25-AEEEFF8BEEFD}"/>
+              </a:ext>
+            </a:extLst>
+          </p:cNvPr>
+          <p:cNvSpPr txBox="1"/>
+          <p:nvPr/>
+        </p:nvSpPr>
+        <p:spPr>
+          <a:xfrm>
+            <a:off x="2169502" y="3632297"/>
+            <a:ext cx="6097464" cy="1200329"/>
+          </a:xfrm>
+          <a:prstGeom prst="rect">
+            <a:avLst/>
+          </a:prstGeom>
+          <a:noFill/>
+        </p:spPr>
+        <p:txBody>
+          <a:bodyPr wrap="square">
+            <a:spAutoFit/>
+          </a:bodyPr>
+          <a:lstStyle/>
+          <a:p>
+            <a:r>
+              <a:rPr lang="en-US" dirty="0"/>
+              <a:t> $ git config --global user.name "John Doe"</a:t>
+            </a:r>
+          </a:p>
+          <a:p>
+            <a:r>
+              <a:rPr lang="en-US" dirty="0"/>
+              <a:t> $ git config --global </a:t>
+            </a:r>
+            <a:r>
+              <a:rPr lang="en-US" dirty="0" err="1"/>
+              <a:t>user.email</a:t>
+            </a:r>
+            <a:r>
+              <a:rPr lang="en-US" dirty="0"/>
+              <a:t> </a:t>
+            </a:r>
+            <a:r>
+              <a:rPr lang="en-US" dirty="0">
+                <a:hlinkClick r:id="rId4"/>
+              </a:rPr>
+              <a:t>johndoe@example.com</a:t>
+            </a:r>
+            <a:endParaRPr lang="pl-PL" dirty="0"/>
+          </a:p>
+          <a:p>
+            <a:r>
+              <a:rPr lang="pl-PL" dirty="0"/>
+              <a:t> $ git </a:t>
+            </a:r>
+            <a:r>
+              <a:rPr lang="pl-PL" dirty="0" err="1"/>
+              <a:t>config</a:t>
+            </a:r>
+            <a:r>
+              <a:rPr lang="pl-PL" dirty="0"/>
+              <a:t> --list</a:t>
+            </a:r>
+          </a:p>
+          <a:p>
+            <a:endParaRPr lang="en-US" dirty="0"/>
+          </a:p>
+        </p:txBody>
+      </p:sp>
+    </p:spTree>
+    <p:extLst>
+      <p:ext uri="{BB962C8B-B14F-4D97-AF65-F5344CB8AC3E}">
+        <p14:creationId xmlns:p14="http://schemas.microsoft.com/office/powerpoint/2010/main" val="66243745"/>
+      </p:ext>
+    </p:extLst>
+  </p:cSld>
+  <p:clrMapOvr>
+    <a:masterClrMapping/>
+  </p:clrMapOvr>
+</p:sld>
+</file>
+
+<file path=ppt/slides/slide11.xml><?xml version="1.0" encoding="utf-8"?>
+<p:sld xmlns:a="http://schemas.openxmlformats.org/drawingml/2006/main" xmlns:r="http://schemas.openxmlformats.org/officeDocument/2006/relationships" xmlns:p="http://schemas.openxmlformats.org/presentationml/2006/main">
+  <p:cSld>
+    <p:spTree>
+      <p:nvGrpSpPr>
+        <p:cNvPr id="1" name=""/>
+        <p:cNvGrpSpPr/>
+        <p:nvPr/>
+      </p:nvGrpSpPr>
+      <p:grpSpPr>
+        <a:xfrm>
+          <a:off x="0" y="0"/>
+          <a:ext cx="0" cy="0"/>
+          <a:chOff x="0" y="0"/>
+          <a:chExt cx="0" cy="0"/>
+        </a:xfrm>
+      </p:grpSpPr>
+      <p:sp>
+        <p:nvSpPr>
+          <p:cNvPr id="2" name="Title 1">
+            <a:extLst>
+              <a:ext uri="{FF2B5EF4-FFF2-40B4-BE49-F238E27FC236}">
+                <a16:creationId xmlns:a16="http://schemas.microsoft.com/office/drawing/2014/main" id="{7DD60D35-CFF0-41F8-8FAF-4D58AA29CB80}"/>
+              </a:ext>
+            </a:extLst>
+          </p:cNvPr>
+          <p:cNvSpPr>
+            <a:spLocks noGrp="1"/>
+          </p:cNvSpPr>
+          <p:nvPr>
+            <p:ph type="ctrTitle"/>
+          </p:nvPr>
+        </p:nvSpPr>
+        <p:spPr>
+          <a:xfrm>
+            <a:off x="1524000" y="1122363"/>
+            <a:ext cx="9144000" cy="1051670"/>
+          </a:xfrm>
+        </p:spPr>
+        <p:txBody>
+          <a:bodyPr/>
+          <a:lstStyle/>
+          <a:p>
+            <a:r>
+              <a:rPr lang="pl-PL" dirty="0"/>
+              <a:t>Ćwiczenie!</a:t>
+            </a:r>
+            <a:endParaRPr lang="en-US" dirty="0"/>
+          </a:p>
+        </p:txBody>
+      </p:sp>
+      <p:pic>
+        <p:nvPicPr>
+          <p:cNvPr id="1028" name="Picture 4" descr="Git - Logo Downloads">
+            <a:extLst>
+              <a:ext uri="{FF2B5EF4-FFF2-40B4-BE49-F238E27FC236}">
+                <a16:creationId xmlns:a16="http://schemas.microsoft.com/office/drawing/2014/main" id="{CA9E0314-A2ED-4B2F-93C4-94BC82F73966}"/>
+              </a:ext>
+            </a:extLst>
+          </p:cNvPr>
+          <p:cNvPicPr>
+            <a:picLocks noChangeAspect="1" noChangeArrowheads="1"/>
+          </p:cNvPicPr>
+          <p:nvPr/>
+        </p:nvPicPr>
+        <p:blipFill>
+          <a:blip r:embed="rId3">
+            <a:extLst>
+              <a:ext uri="{28A0092B-C50C-407E-A947-70E740481C1C}">
+                <a14:useLocalDpi xmlns:a14="http://schemas.microsoft.com/office/drawing/2010/main" val="0"/>
+              </a:ext>
+            </a:extLst>
+          </a:blip>
+          <a:srcRect/>
+          <a:stretch>
+            <a:fillRect/>
+          </a:stretch>
+        </p:blipFill>
+        <p:spPr bwMode="auto">
+          <a:xfrm>
+            <a:off x="622" y="0"/>
+            <a:ext cx="1714500" cy="1714500"/>
+          </a:xfrm>
+          <a:prstGeom prst="rect">
+            <a:avLst/>
+          </a:prstGeom>
+          <a:noFill/>
+          <a:extLst>
+            <a:ext uri="{909E8E84-426E-40DD-AFC4-6F175D3DCCD1}">
+              <a14:hiddenFill xmlns:a14="http://schemas.microsoft.com/office/drawing/2010/main">
+                <a:solidFill>
+                  <a:srgbClr val="FFFFFF"/>
+                </a:solidFill>
+              </a14:hiddenFill>
+            </a:ext>
+          </a:extLst>
+        </p:spPr>
+      </p:pic>
+      <p:sp>
+        <p:nvSpPr>
+          <p:cNvPr id="6" name="Title 1">
+            <a:extLst>
+              <a:ext uri="{FF2B5EF4-FFF2-40B4-BE49-F238E27FC236}">
+                <a16:creationId xmlns:a16="http://schemas.microsoft.com/office/drawing/2014/main" id="{F30C0BAE-83B1-4EB9-B588-8BE9228B0410}"/>
+              </a:ext>
+            </a:extLst>
+          </p:cNvPr>
+          <p:cNvSpPr txBox="1">
+            <a:spLocks/>
+          </p:cNvSpPr>
+          <p:nvPr/>
+        </p:nvSpPr>
+        <p:spPr>
+          <a:xfrm>
+            <a:off x="1524000" y="3296396"/>
+            <a:ext cx="9144000" cy="1051670"/>
+          </a:xfrm>
+          <a:prstGeom prst="rect">
+            <a:avLst/>
+          </a:prstGeom>
+        </p:spPr>
+        <p:txBody>
+          <a:bodyPr vert="horz" lIns="91440" tIns="45720" rIns="91440" bIns="45720" rtlCol="0" anchor="b">
+            <a:noAutofit/>
+          </a:bodyPr>
+          <a:lstStyle>
+            <a:lvl1pPr algn="ctr" defTabSz="914400" rtl="0" eaLnBrk="1" latinLnBrk="0" hangingPunct="1">
+              <a:lnSpc>
+                <a:spcPct val="90000"/>
+              </a:lnSpc>
+              <a:spcBef>
+                <a:spcPct val="0"/>
+              </a:spcBef>
+              <a:buNone/>
+              <a:defRPr sz="6000" kern="1200">
+                <a:solidFill>
+                  <a:schemeClr val="tx1"/>
+                </a:solidFill>
+                <a:latin typeface="+mj-lt"/>
+                <a:ea typeface="+mj-ea"/>
+                <a:cs typeface="+mj-cs"/>
+              </a:defRPr>
+            </a:lvl1pPr>
+          </a:lstStyle>
+          <a:p>
+            <a:pPr marL="857250" indent="-857250" algn="l">
+              <a:lnSpc>
+                <a:spcPct val="150000"/>
+              </a:lnSpc>
+              <a:buFont typeface="Arial" panose="020B0604020202020204" pitchFamily="34" charset="0"/>
+              <a:buChar char="•"/>
+            </a:pPr>
+            <a:r>
+              <a:rPr lang="pl-PL" sz="1800" b="0" i="0" dirty="0">
+                <a:solidFill>
+                  <a:srgbClr val="4E443C"/>
+                </a:solidFill>
+                <a:effectLst/>
+                <a:latin typeface="Arial" panose="020B0604020202020204" pitchFamily="34" charset="0"/>
+              </a:rPr>
+              <a:t>Przejdź do dowolnego katalogu w którym będziesz przechowywał projekt,</a:t>
+            </a:r>
+          </a:p>
+          <a:p>
+            <a:pPr marL="857250" indent="-857250" algn="l">
+              <a:lnSpc>
+                <a:spcPct val="150000"/>
+              </a:lnSpc>
+              <a:buFont typeface="Arial" panose="020B0604020202020204" pitchFamily="34" charset="0"/>
+              <a:buChar char="•"/>
+            </a:pPr>
+            <a:r>
+              <a:rPr lang="en-US" sz="1800" b="1" dirty="0">
+                <a:solidFill>
+                  <a:srgbClr val="4E443C"/>
+                </a:solidFill>
+                <a:latin typeface="Arial" panose="020B0604020202020204" pitchFamily="34" charset="0"/>
+              </a:rPr>
+              <a:t>git clone /path/to/repository</a:t>
+            </a:r>
+            <a:r>
+              <a:rPr lang="pl-PL" sz="1800" b="1" dirty="0">
+                <a:solidFill>
+                  <a:srgbClr val="4E443C"/>
+                </a:solidFill>
+                <a:latin typeface="Arial" panose="020B0604020202020204" pitchFamily="34" charset="0"/>
+              </a:rPr>
+              <a:t> (</a:t>
+            </a:r>
+            <a:r>
+              <a:rPr lang="pl-PL" sz="1800" b="1" dirty="0">
+                <a:solidFill>
+                  <a:srgbClr val="4E443C"/>
+                </a:solidFill>
+                <a:latin typeface="Arial" panose="020B0604020202020204" pitchFamily="34" charset="0"/>
+                <a:hlinkClick r:id="rId4"/>
+              </a:rPr>
+              <a:t>https://github.com/icelandico/git_sopot.git</a:t>
+            </a:r>
+            <a:r>
+              <a:rPr lang="pl-PL" sz="1800" b="1" dirty="0">
+                <a:solidFill>
+                  <a:srgbClr val="4E443C"/>
+                </a:solidFill>
+                <a:latin typeface="Arial" panose="020B0604020202020204" pitchFamily="34" charset="0"/>
+              </a:rPr>
+              <a:t>)</a:t>
+            </a:r>
+          </a:p>
+          <a:p>
+            <a:pPr marL="857250" indent="-857250" algn="l">
+              <a:lnSpc>
+                <a:spcPct val="150000"/>
+              </a:lnSpc>
+              <a:buFont typeface="Arial" panose="020B0604020202020204" pitchFamily="34" charset="0"/>
+              <a:buChar char="•"/>
+            </a:pPr>
+            <a:r>
+              <a:rPr lang="pl-PL" sz="1800" dirty="0">
+                <a:solidFill>
+                  <a:srgbClr val="4E443C"/>
+                </a:solidFill>
+                <a:latin typeface="Arial" panose="020B0604020202020204" pitchFamily="34" charset="0"/>
+              </a:rPr>
+              <a:t>Dokonaj jakiejkolwiek zmiany w pliku i zapisz go,</a:t>
+            </a:r>
+          </a:p>
+          <a:p>
+            <a:pPr marL="857250" indent="-857250" algn="l">
+              <a:lnSpc>
+                <a:spcPct val="150000"/>
+              </a:lnSpc>
+              <a:buFont typeface="Arial" panose="020B0604020202020204" pitchFamily="34" charset="0"/>
+              <a:buChar char="•"/>
+            </a:pPr>
+            <a:r>
+              <a:rPr lang="pl-PL" sz="1800" dirty="0">
+                <a:solidFill>
+                  <a:srgbClr val="4E443C"/>
+                </a:solidFill>
+                <a:latin typeface="Arial" panose="020B0604020202020204" pitchFamily="34" charset="0"/>
+              </a:rPr>
+              <a:t>Sprawdź status w konsoli komendą </a:t>
+            </a:r>
+            <a:r>
+              <a:rPr lang="pl-PL" sz="1800" b="1" dirty="0">
+                <a:solidFill>
+                  <a:srgbClr val="4E443C"/>
+                </a:solidFill>
+                <a:latin typeface="Arial" panose="020B0604020202020204" pitchFamily="34" charset="0"/>
+              </a:rPr>
+              <a:t>git status</a:t>
+            </a:r>
+          </a:p>
+          <a:p>
+            <a:pPr marL="857250" indent="-857250" algn="l">
+              <a:lnSpc>
+                <a:spcPct val="150000"/>
+              </a:lnSpc>
+              <a:buFont typeface="Arial" panose="020B0604020202020204" pitchFamily="34" charset="0"/>
+              <a:buChar char="•"/>
+            </a:pPr>
+            <a:endParaRPr lang="en-US" sz="1800" b="1" dirty="0"/>
+          </a:p>
+        </p:txBody>
+      </p:sp>
+      <p:sp>
+        <p:nvSpPr>
+          <p:cNvPr id="9" name="TextBox 8">
+            <a:extLst>
+              <a:ext uri="{FF2B5EF4-FFF2-40B4-BE49-F238E27FC236}">
+                <a16:creationId xmlns:a16="http://schemas.microsoft.com/office/drawing/2014/main" id="{3F78704D-A0AB-46BB-B9FB-B4438C71913E}"/>
+              </a:ext>
+            </a:extLst>
+          </p:cNvPr>
+          <p:cNvSpPr txBox="1"/>
+          <p:nvPr/>
+        </p:nvSpPr>
+        <p:spPr>
+          <a:xfrm>
+            <a:off x="2450856" y="6391855"/>
+            <a:ext cx="6097464" cy="369332"/>
+          </a:xfrm>
+          <a:prstGeom prst="rect">
+            <a:avLst/>
+          </a:prstGeom>
+          <a:noFill/>
+        </p:spPr>
+        <p:txBody>
+          <a:bodyPr wrap="square">
+            <a:spAutoFit/>
+          </a:bodyPr>
+          <a:lstStyle/>
+          <a:p>
+            <a:r>
+              <a:rPr lang="en-US" dirty="0"/>
+              <a:t>https://github.com/icelandico/git_sopot</a:t>
+            </a:r>
+          </a:p>
+        </p:txBody>
+      </p:sp>
+    </p:spTree>
+    <p:extLst>
+      <p:ext uri="{BB962C8B-B14F-4D97-AF65-F5344CB8AC3E}">
+        <p14:creationId xmlns:p14="http://schemas.microsoft.com/office/powerpoint/2010/main" val="641011777"/>
+      </p:ext>
+    </p:extLst>
+  </p:cSld>
+  <p:clrMapOvr>
+    <a:masterClrMapping/>
+  </p:clrMapOvr>
+</p:sld>
+</file>
+
+<file path=ppt/slides/slide2.xml><?xml version="1.0" encoding="utf-8"?>
+<p:sld xmlns:a="http://schemas.openxmlformats.org/drawingml/2006/main" xmlns:r="http://schemas.openxmlformats.org/officeDocument/2006/relationships" xmlns:p="http://schemas.openxmlformats.org/presentationml/2006/main">
+  <p:cSld>
+    <p:spTree>
+      <p:nvGrpSpPr>
+        <p:cNvPr id="1" name=""/>
+        <p:cNvGrpSpPr/>
+        <p:nvPr/>
+      </p:nvGrpSpPr>
+      <p:grpSpPr>
+        <a:xfrm>
+          <a:off x="0" y="0"/>
+          <a:ext cx="0" cy="0"/>
+          <a:chOff x="0" y="0"/>
+          <a:chExt cx="0" cy="0"/>
+        </a:xfrm>
+      </p:grpSpPr>
+      <p:sp>
+        <p:nvSpPr>
+          <p:cNvPr id="2" name="Title 1">
+            <a:extLst>
+              <a:ext uri="{FF2B5EF4-FFF2-40B4-BE49-F238E27FC236}">
+                <a16:creationId xmlns:a16="http://schemas.microsoft.com/office/drawing/2014/main" id="{7DD60D35-CFF0-41F8-8FAF-4D58AA29CB80}"/>
+              </a:ext>
+            </a:extLst>
+          </p:cNvPr>
+          <p:cNvSpPr>
+            <a:spLocks noGrp="1"/>
+          </p:cNvSpPr>
+          <p:nvPr>
+            <p:ph type="ctrTitle"/>
+          </p:nvPr>
+        </p:nvSpPr>
+        <p:spPr>
+          <a:xfrm>
+            <a:off x="1524000" y="1122363"/>
+            <a:ext cx="9144000" cy="1051670"/>
+          </a:xfrm>
+        </p:spPr>
+        <p:txBody>
+          <a:bodyPr/>
+          <a:lstStyle/>
+          <a:p>
+            <a:r>
+              <a:rPr lang="pl-PL" dirty="0"/>
+              <a:t>Czym jest GIT ?</a:t>
+            </a:r>
+            <a:endParaRPr lang="en-US" dirty="0"/>
+          </a:p>
+        </p:txBody>
+      </p:sp>
+      <p:pic>
+        <p:nvPicPr>
+          <p:cNvPr id="1028" name="Picture 4" descr="Git - Logo Downloads">
+            <a:extLst>
+              <a:ext uri="{FF2B5EF4-FFF2-40B4-BE49-F238E27FC236}">
+                <a16:creationId xmlns:a16="http://schemas.microsoft.com/office/drawing/2014/main" id="{CA9E0314-A2ED-4B2F-93C4-94BC82F73966}"/>
+              </a:ext>
+            </a:extLst>
+          </p:cNvPr>
+          <p:cNvPicPr>
+            <a:picLocks noChangeAspect="1" noChangeArrowheads="1"/>
+          </p:cNvPicPr>
+          <p:nvPr/>
+        </p:nvPicPr>
+        <p:blipFill>
+          <a:blip r:embed="rId2">
+            <a:extLst>
+              <a:ext uri="{28A0092B-C50C-407E-A947-70E740481C1C}">
+                <a14:useLocalDpi xmlns:a14="http://schemas.microsoft.com/office/drawing/2010/main" val="0"/>
+              </a:ext>
+            </a:extLst>
+          </a:blip>
+          <a:srcRect/>
+          <a:stretch>
+            <a:fillRect/>
+          </a:stretch>
+        </p:blipFill>
+        <p:spPr bwMode="auto">
+          <a:xfrm>
+            <a:off x="622" y="0"/>
+            <a:ext cx="1714500" cy="1714500"/>
+          </a:xfrm>
+          <a:prstGeom prst="rect">
+            <a:avLst/>
+          </a:prstGeom>
+          <a:noFill/>
+          <a:extLst>
+            <a:ext uri="{909E8E84-426E-40DD-AFC4-6F175D3DCCD1}">
+              <a14:hiddenFill xmlns:a14="http://schemas.microsoft.com/office/drawing/2010/main">
+                <a:solidFill>
+                  <a:srgbClr val="FFFFFF"/>
+                </a:solidFill>
+              </a14:hiddenFill>
+            </a:ext>
+          </a:extLst>
+        </p:spPr>
+      </p:pic>
+      <p:sp>
+        <p:nvSpPr>
+          <p:cNvPr id="6" name="Title 1">
+            <a:extLst>
+              <a:ext uri="{FF2B5EF4-FFF2-40B4-BE49-F238E27FC236}">
+                <a16:creationId xmlns:a16="http://schemas.microsoft.com/office/drawing/2014/main" id="{F30C0BAE-83B1-4EB9-B588-8BE9228B0410}"/>
+              </a:ext>
+            </a:extLst>
+          </p:cNvPr>
+          <p:cNvSpPr txBox="1">
+            <a:spLocks/>
+          </p:cNvSpPr>
+          <p:nvPr/>
+        </p:nvSpPr>
+        <p:spPr>
+          <a:xfrm>
+            <a:off x="1524000" y="3632298"/>
+            <a:ext cx="9144000" cy="1051670"/>
+          </a:xfrm>
+          <a:prstGeom prst="rect">
+            <a:avLst/>
+          </a:prstGeom>
+        </p:spPr>
+        <p:txBody>
+          <a:bodyPr vert="horz" lIns="91440" tIns="45720" rIns="91440" bIns="45720" rtlCol="0" anchor="b">
+            <a:noAutofit/>
+          </a:bodyPr>
+          <a:lstStyle>
+            <a:lvl1pPr algn="ctr" defTabSz="914400" rtl="0" eaLnBrk="1" latinLnBrk="0" hangingPunct="1">
+              <a:lnSpc>
+                <a:spcPct val="90000"/>
+              </a:lnSpc>
+              <a:spcBef>
+                <a:spcPct val="0"/>
+              </a:spcBef>
+              <a:buNone/>
+              <a:defRPr sz="6000" kern="1200">
+                <a:solidFill>
+                  <a:schemeClr val="tx1"/>
+                </a:solidFill>
+                <a:latin typeface="+mj-lt"/>
+                <a:ea typeface="+mj-ea"/>
+                <a:cs typeface="+mj-cs"/>
+              </a:defRPr>
+            </a:lvl1pPr>
+          </a:lstStyle>
+          <a:p>
+            <a:pPr marL="857250" indent="-857250" algn="l">
+              <a:lnSpc>
+                <a:spcPct val="150000"/>
+              </a:lnSpc>
+              <a:buFont typeface="Arial" panose="020B0604020202020204" pitchFamily="34" charset="0"/>
+              <a:buChar char="•"/>
+            </a:pPr>
+            <a:r>
+              <a:rPr lang="pl-PL" sz="1800" b="0" i="0" dirty="0">
+                <a:solidFill>
+                  <a:srgbClr val="4E443C"/>
+                </a:solidFill>
+                <a:effectLst/>
+                <a:latin typeface="Arial" panose="020B0604020202020204" pitchFamily="34" charset="0"/>
+              </a:rPr>
+              <a:t>Rozproszony system kontroli wersji, który śledzi wszystkie zmiany dokonywane na pliku (lub plikach),</a:t>
             </a:r>
           </a:p>
           <a:p>
@@ -9490,6 +10451,534 @@
 </file>
 
 <file path=ppt/slides/slide7.xml><?xml version="1.0" encoding="utf-8"?>
+<p:sld xmlns:a="http://schemas.openxmlformats.org/drawingml/2006/main" xmlns:r="http://schemas.openxmlformats.org/officeDocument/2006/relationships" xmlns:p="http://schemas.openxmlformats.org/presentationml/2006/main">
+  <p:cSld>
+    <p:spTree>
+      <p:nvGrpSpPr>
+        <p:cNvPr id="1" name=""/>
+        <p:cNvGrpSpPr/>
+        <p:nvPr/>
+      </p:nvGrpSpPr>
+      <p:grpSpPr>
+        <a:xfrm>
+          <a:off x="0" y="0"/>
+          <a:ext cx="0" cy="0"/>
+          <a:chOff x="0" y="0"/>
+          <a:chExt cx="0" cy="0"/>
+        </a:xfrm>
+      </p:grpSpPr>
+      <p:sp>
+        <p:nvSpPr>
+          <p:cNvPr id="2" name="Title 1">
+            <a:extLst>
+              <a:ext uri="{FF2B5EF4-FFF2-40B4-BE49-F238E27FC236}">
+                <a16:creationId xmlns:a16="http://schemas.microsoft.com/office/drawing/2014/main" id="{7DD60D35-CFF0-41F8-8FAF-4D58AA29CB80}"/>
+              </a:ext>
+            </a:extLst>
+          </p:cNvPr>
+          <p:cNvSpPr>
+            <a:spLocks noGrp="1"/>
+          </p:cNvSpPr>
+          <p:nvPr>
+            <p:ph type="ctrTitle"/>
+          </p:nvPr>
+        </p:nvSpPr>
+        <p:spPr>
+          <a:xfrm>
+            <a:off x="1524000" y="1122363"/>
+            <a:ext cx="9144000" cy="1051670"/>
+          </a:xfrm>
+        </p:spPr>
+        <p:txBody>
+          <a:bodyPr/>
+          <a:lstStyle/>
+          <a:p>
+            <a:r>
+              <a:rPr lang="pl-PL" dirty="0"/>
+              <a:t>Jak działa GIT ?</a:t>
+            </a:r>
+            <a:endParaRPr lang="en-US" dirty="0"/>
+          </a:p>
+        </p:txBody>
+      </p:sp>
+      <p:pic>
+        <p:nvPicPr>
+          <p:cNvPr id="1028" name="Picture 4" descr="Git - Logo Downloads">
+            <a:extLst>
+              <a:ext uri="{FF2B5EF4-FFF2-40B4-BE49-F238E27FC236}">
+                <a16:creationId xmlns:a16="http://schemas.microsoft.com/office/drawing/2014/main" id="{CA9E0314-A2ED-4B2F-93C4-94BC82F73966}"/>
+              </a:ext>
+            </a:extLst>
+          </p:cNvPr>
+          <p:cNvPicPr>
+            <a:picLocks noChangeAspect="1" noChangeArrowheads="1"/>
+          </p:cNvPicPr>
+          <p:nvPr/>
+        </p:nvPicPr>
+        <p:blipFill>
+          <a:blip r:embed="rId3">
+            <a:extLst>
+              <a:ext uri="{28A0092B-C50C-407E-A947-70E740481C1C}">
+                <a14:useLocalDpi xmlns:a14="http://schemas.microsoft.com/office/drawing/2010/main" val="0"/>
+              </a:ext>
+            </a:extLst>
+          </a:blip>
+          <a:srcRect/>
+          <a:stretch>
+            <a:fillRect/>
+          </a:stretch>
+        </p:blipFill>
+        <p:spPr bwMode="auto">
+          <a:xfrm>
+            <a:off x="622" y="0"/>
+            <a:ext cx="1714500" cy="1714500"/>
+          </a:xfrm>
+          <a:prstGeom prst="rect">
+            <a:avLst/>
+          </a:prstGeom>
+          <a:noFill/>
+          <a:extLst>
+            <a:ext uri="{909E8E84-426E-40DD-AFC4-6F175D3DCCD1}">
+              <a14:hiddenFill xmlns:a14="http://schemas.microsoft.com/office/drawing/2010/main">
+                <a:solidFill>
+                  <a:srgbClr val="FFFFFF"/>
+                </a:solidFill>
+              </a14:hiddenFill>
+            </a:ext>
+          </a:extLst>
+        </p:spPr>
+      </p:pic>
+      <p:sp>
+        <p:nvSpPr>
+          <p:cNvPr id="6" name="Title 1">
+            <a:extLst>
+              <a:ext uri="{FF2B5EF4-FFF2-40B4-BE49-F238E27FC236}">
+                <a16:creationId xmlns:a16="http://schemas.microsoft.com/office/drawing/2014/main" id="{F30C0BAE-83B1-4EB9-B588-8BE9228B0410}"/>
+              </a:ext>
+            </a:extLst>
+          </p:cNvPr>
+          <p:cNvSpPr txBox="1">
+            <a:spLocks/>
+          </p:cNvSpPr>
+          <p:nvPr/>
+        </p:nvSpPr>
+        <p:spPr>
+          <a:xfrm>
+            <a:off x="1485900" y="2411798"/>
+            <a:ext cx="9144000" cy="1051670"/>
+          </a:xfrm>
+          <a:prstGeom prst="rect">
+            <a:avLst/>
+          </a:prstGeom>
+        </p:spPr>
+        <p:txBody>
+          <a:bodyPr vert="horz" lIns="91440" tIns="45720" rIns="91440" bIns="45720" rtlCol="0" anchor="b">
+            <a:noAutofit/>
+          </a:bodyPr>
+          <a:lstStyle>
+            <a:lvl1pPr algn="ctr" defTabSz="914400" rtl="0" eaLnBrk="1" latinLnBrk="0" hangingPunct="1">
+              <a:lnSpc>
+                <a:spcPct val="90000"/>
+              </a:lnSpc>
+              <a:spcBef>
+                <a:spcPct val="0"/>
+              </a:spcBef>
+              <a:buNone/>
+              <a:defRPr sz="6000" kern="1200">
+                <a:solidFill>
+                  <a:schemeClr val="tx1"/>
+                </a:solidFill>
+                <a:latin typeface="+mj-lt"/>
+                <a:ea typeface="+mj-ea"/>
+                <a:cs typeface="+mj-cs"/>
+              </a:defRPr>
+            </a:lvl1pPr>
+          </a:lstStyle>
+          <a:p>
+            <a:pPr marL="857250" indent="-857250" algn="l">
+              <a:lnSpc>
+                <a:spcPct val="150000"/>
+              </a:lnSpc>
+              <a:buFont typeface="Arial" panose="020B0604020202020204" pitchFamily="34" charset="0"/>
+              <a:buChar char="•"/>
+            </a:pPr>
+            <a:r>
+              <a:rPr lang="pl-PL" sz="1800" b="0" i="0" dirty="0">
+                <a:solidFill>
+                  <a:srgbClr val="4E443C"/>
+                </a:solidFill>
+                <a:effectLst/>
+                <a:latin typeface="Arial" panose="020B0604020202020204" pitchFamily="34" charset="0"/>
+              </a:rPr>
+              <a:t>Jest to włączenie zmian z jednej gałęzi do innej gałęzi</a:t>
+            </a:r>
+            <a:endParaRPr lang="en-US" sz="1800" b="1" dirty="0"/>
+          </a:p>
+        </p:txBody>
+      </p:sp>
+      <p:sp>
+        <p:nvSpPr>
+          <p:cNvPr id="7" name="Title 1">
+            <a:extLst>
+              <a:ext uri="{FF2B5EF4-FFF2-40B4-BE49-F238E27FC236}">
+                <a16:creationId xmlns:a16="http://schemas.microsoft.com/office/drawing/2014/main" id="{5A837C26-8EBD-4C51-AF0A-0A701CAD98A6}"/>
+              </a:ext>
+            </a:extLst>
+          </p:cNvPr>
+          <p:cNvSpPr txBox="1">
+            <a:spLocks/>
+          </p:cNvSpPr>
+          <p:nvPr/>
+        </p:nvSpPr>
+        <p:spPr>
+          <a:xfrm>
+            <a:off x="1485900" y="2259399"/>
+            <a:ext cx="9144000" cy="592868"/>
+          </a:xfrm>
+          <a:prstGeom prst="rect">
+            <a:avLst/>
+          </a:prstGeom>
+        </p:spPr>
+        <p:txBody>
+          <a:bodyPr vert="horz" lIns="91440" tIns="45720" rIns="91440" bIns="45720" rtlCol="0" anchor="b">
+            <a:normAutofit/>
+          </a:bodyPr>
+          <a:lstStyle>
+            <a:lvl1pPr algn="ctr" defTabSz="914400" rtl="0" eaLnBrk="1" latinLnBrk="0" hangingPunct="1">
+              <a:lnSpc>
+                <a:spcPct val="90000"/>
+              </a:lnSpc>
+              <a:spcBef>
+                <a:spcPct val="0"/>
+              </a:spcBef>
+              <a:buNone/>
+              <a:defRPr sz="6000" kern="1200">
+                <a:solidFill>
+                  <a:schemeClr val="tx1"/>
+                </a:solidFill>
+                <a:latin typeface="+mj-lt"/>
+                <a:ea typeface="+mj-ea"/>
+                <a:cs typeface="+mj-cs"/>
+              </a:defRPr>
+            </a:lvl1pPr>
+          </a:lstStyle>
+          <a:p>
+            <a:r>
+              <a:rPr lang="pl-PL" sz="3600" b="1" i="1" dirty="0" err="1"/>
+              <a:t>merge</a:t>
+            </a:r>
+            <a:endParaRPr lang="en-US" sz="3600" b="1" i="1" dirty="0"/>
+          </a:p>
+        </p:txBody>
+      </p:sp>
+      <p:pic>
+        <p:nvPicPr>
+          <p:cNvPr id="2050" name="Picture 2" descr="Git rebase forces merge - Stack Overflow">
+            <a:extLst>
+              <a:ext uri="{FF2B5EF4-FFF2-40B4-BE49-F238E27FC236}">
+                <a16:creationId xmlns:a16="http://schemas.microsoft.com/office/drawing/2014/main" id="{E742ADC9-D0B4-4EB3-BC42-026D18757478}"/>
+              </a:ext>
+            </a:extLst>
+          </p:cNvPr>
+          <p:cNvPicPr>
+            <a:picLocks noChangeAspect="1" noChangeArrowheads="1"/>
+          </p:cNvPicPr>
+          <p:nvPr/>
+        </p:nvPicPr>
+        <p:blipFill>
+          <a:blip r:embed="rId4">
+            <a:extLst>
+              <a:ext uri="{28A0092B-C50C-407E-A947-70E740481C1C}">
+                <a14:useLocalDpi xmlns:a14="http://schemas.microsoft.com/office/drawing/2010/main" val="0"/>
+              </a:ext>
+            </a:extLst>
+          </a:blip>
+          <a:srcRect/>
+          <a:stretch>
+            <a:fillRect/>
+          </a:stretch>
+        </p:blipFill>
+        <p:spPr bwMode="auto">
+          <a:xfrm>
+            <a:off x="2850905" y="3004666"/>
+            <a:ext cx="5697415" cy="3261770"/>
+          </a:xfrm>
+          <a:prstGeom prst="rect">
+            <a:avLst/>
+          </a:prstGeom>
+          <a:noFill/>
+          <a:extLst>
+            <a:ext uri="{909E8E84-426E-40DD-AFC4-6F175D3DCCD1}">
+              <a14:hiddenFill xmlns:a14="http://schemas.microsoft.com/office/drawing/2010/main">
+                <a:solidFill>
+                  <a:srgbClr val="FFFFFF"/>
+                </a:solidFill>
+              </a14:hiddenFill>
+            </a:ext>
+          </a:extLst>
+        </p:spPr>
+      </p:pic>
+      <p:sp>
+        <p:nvSpPr>
+          <p:cNvPr id="8" name="TextBox 7">
+            <a:extLst>
+              <a:ext uri="{FF2B5EF4-FFF2-40B4-BE49-F238E27FC236}">
+                <a16:creationId xmlns:a16="http://schemas.microsoft.com/office/drawing/2014/main" id="{25BCA732-9A59-46EE-A9A0-64EE2D077BE4}"/>
+              </a:ext>
+            </a:extLst>
+          </p:cNvPr>
+          <p:cNvSpPr txBox="1"/>
+          <p:nvPr/>
+        </p:nvSpPr>
+        <p:spPr>
+          <a:xfrm>
+            <a:off x="2450856" y="6391855"/>
+            <a:ext cx="6097464" cy="369332"/>
+          </a:xfrm>
+          <a:prstGeom prst="rect">
+            <a:avLst/>
+          </a:prstGeom>
+          <a:noFill/>
+        </p:spPr>
+        <p:txBody>
+          <a:bodyPr wrap="square">
+            <a:spAutoFit/>
+          </a:bodyPr>
+          <a:lstStyle/>
+          <a:p>
+            <a:r>
+              <a:rPr lang="en-US" dirty="0">
+                <a:hlinkClick r:id="rId5"/>
+              </a:rPr>
+              <a:t>https://www.atlassian.com/git/glossary</a:t>
+            </a:r>
+            <a:endParaRPr lang="en-US" dirty="0"/>
+          </a:p>
+        </p:txBody>
+      </p:sp>
+    </p:spTree>
+    <p:extLst>
+      <p:ext uri="{BB962C8B-B14F-4D97-AF65-F5344CB8AC3E}">
+        <p14:creationId xmlns:p14="http://schemas.microsoft.com/office/powerpoint/2010/main" val="2654688668"/>
+      </p:ext>
+    </p:extLst>
+  </p:cSld>
+  <p:clrMapOvr>
+    <a:masterClrMapping/>
+  </p:clrMapOvr>
+</p:sld>
+</file>
+
+<file path=ppt/slides/slide8.xml><?xml version="1.0" encoding="utf-8"?>
+<p:sld xmlns:a="http://schemas.openxmlformats.org/drawingml/2006/main" xmlns:r="http://schemas.openxmlformats.org/officeDocument/2006/relationships" xmlns:p="http://schemas.openxmlformats.org/presentationml/2006/main">
+  <p:cSld>
+    <p:spTree>
+      <p:nvGrpSpPr>
+        <p:cNvPr id="1" name=""/>
+        <p:cNvGrpSpPr/>
+        <p:nvPr/>
+      </p:nvGrpSpPr>
+      <p:grpSpPr>
+        <a:xfrm>
+          <a:off x="0" y="0"/>
+          <a:ext cx="0" cy="0"/>
+          <a:chOff x="0" y="0"/>
+          <a:chExt cx="0" cy="0"/>
+        </a:xfrm>
+      </p:grpSpPr>
+      <p:sp>
+        <p:nvSpPr>
+          <p:cNvPr id="2" name="Title 1">
+            <a:extLst>
+              <a:ext uri="{FF2B5EF4-FFF2-40B4-BE49-F238E27FC236}">
+                <a16:creationId xmlns:a16="http://schemas.microsoft.com/office/drawing/2014/main" id="{7DD60D35-CFF0-41F8-8FAF-4D58AA29CB80}"/>
+              </a:ext>
+            </a:extLst>
+          </p:cNvPr>
+          <p:cNvSpPr>
+            <a:spLocks noGrp="1"/>
+          </p:cNvSpPr>
+          <p:nvPr>
+            <p:ph type="ctrTitle"/>
+          </p:nvPr>
+        </p:nvSpPr>
+        <p:spPr>
+          <a:xfrm>
+            <a:off x="1524000" y="1122363"/>
+            <a:ext cx="9144000" cy="1051670"/>
+          </a:xfrm>
+        </p:spPr>
+        <p:txBody>
+          <a:bodyPr/>
+          <a:lstStyle/>
+          <a:p>
+            <a:r>
+              <a:rPr lang="pl-PL" dirty="0"/>
+              <a:t>Jak działa GIT – trzy stany</a:t>
+            </a:r>
+            <a:endParaRPr lang="en-US" dirty="0"/>
+          </a:p>
+        </p:txBody>
+      </p:sp>
+      <p:pic>
+        <p:nvPicPr>
+          <p:cNvPr id="1028" name="Picture 4" descr="Git - Logo Downloads">
+            <a:extLst>
+              <a:ext uri="{FF2B5EF4-FFF2-40B4-BE49-F238E27FC236}">
+                <a16:creationId xmlns:a16="http://schemas.microsoft.com/office/drawing/2014/main" id="{CA9E0314-A2ED-4B2F-93C4-94BC82F73966}"/>
+              </a:ext>
+            </a:extLst>
+          </p:cNvPr>
+          <p:cNvPicPr>
+            <a:picLocks noChangeAspect="1" noChangeArrowheads="1"/>
+          </p:cNvPicPr>
+          <p:nvPr/>
+        </p:nvPicPr>
+        <p:blipFill>
+          <a:blip r:embed="rId3">
+            <a:extLst>
+              <a:ext uri="{28A0092B-C50C-407E-A947-70E740481C1C}">
+                <a14:useLocalDpi xmlns:a14="http://schemas.microsoft.com/office/drawing/2010/main" val="0"/>
+              </a:ext>
+            </a:extLst>
+          </a:blip>
+          <a:srcRect/>
+          <a:stretch>
+            <a:fillRect/>
+          </a:stretch>
+        </p:blipFill>
+        <p:spPr bwMode="auto">
+          <a:xfrm>
+            <a:off x="622" y="0"/>
+            <a:ext cx="1714500" cy="1714500"/>
+          </a:xfrm>
+          <a:prstGeom prst="rect">
+            <a:avLst/>
+          </a:prstGeom>
+          <a:noFill/>
+          <a:extLst>
+            <a:ext uri="{909E8E84-426E-40DD-AFC4-6F175D3DCCD1}">
+              <a14:hiddenFill xmlns:a14="http://schemas.microsoft.com/office/drawing/2010/main">
+                <a:solidFill>
+                  <a:srgbClr val="FFFFFF"/>
+                </a:solidFill>
+              </a14:hiddenFill>
+            </a:ext>
+          </a:extLst>
+        </p:spPr>
+      </p:pic>
+      <p:pic>
+        <p:nvPicPr>
+          <p:cNvPr id="4" name="Picture 3">
+            <a:extLst>
+              <a:ext uri="{FF2B5EF4-FFF2-40B4-BE49-F238E27FC236}">
+                <a16:creationId xmlns:a16="http://schemas.microsoft.com/office/drawing/2014/main" id="{66B359FD-E89A-48D6-9B4A-F6413064F94D}"/>
+              </a:ext>
+            </a:extLst>
+          </p:cNvPr>
+          <p:cNvPicPr>
+            <a:picLocks noChangeAspect="1"/>
+          </p:cNvPicPr>
+          <p:nvPr/>
+        </p:nvPicPr>
+        <p:blipFill>
+          <a:blip r:embed="rId4"/>
+          <a:stretch>
+            <a:fillRect/>
+          </a:stretch>
+        </p:blipFill>
+        <p:spPr>
+          <a:xfrm>
+            <a:off x="3462244" y="3797987"/>
+            <a:ext cx="5191311" cy="2757180"/>
+          </a:xfrm>
+          <a:prstGeom prst="rect">
+            <a:avLst/>
+          </a:prstGeom>
+        </p:spPr>
+      </p:pic>
+      <p:sp>
+        <p:nvSpPr>
+          <p:cNvPr id="10" name="Title 1">
+            <a:extLst>
+              <a:ext uri="{FF2B5EF4-FFF2-40B4-BE49-F238E27FC236}">
+                <a16:creationId xmlns:a16="http://schemas.microsoft.com/office/drawing/2014/main" id="{9451A7B6-4192-4444-BD99-A06D926C1B0D}"/>
+              </a:ext>
+            </a:extLst>
+          </p:cNvPr>
+          <p:cNvSpPr txBox="1">
+            <a:spLocks/>
+          </p:cNvSpPr>
+          <p:nvPr/>
+        </p:nvSpPr>
+        <p:spPr>
+          <a:xfrm>
+            <a:off x="1485899" y="1785193"/>
+            <a:ext cx="9144000" cy="1051670"/>
+          </a:xfrm>
+          <a:prstGeom prst="rect">
+            <a:avLst/>
+          </a:prstGeom>
+        </p:spPr>
+        <p:txBody>
+          <a:bodyPr vert="horz" lIns="91440" tIns="45720" rIns="91440" bIns="45720" rtlCol="0" anchor="b">
+            <a:noAutofit/>
+          </a:bodyPr>
+          <a:lstStyle>
+            <a:lvl1pPr algn="ctr" defTabSz="914400" rtl="0" eaLnBrk="1" latinLnBrk="0" hangingPunct="1">
+              <a:lnSpc>
+                <a:spcPct val="90000"/>
+              </a:lnSpc>
+              <a:spcBef>
+                <a:spcPct val="0"/>
+              </a:spcBef>
+              <a:buNone/>
+              <a:defRPr sz="6000" kern="1200">
+                <a:solidFill>
+                  <a:schemeClr val="tx1"/>
+                </a:solidFill>
+                <a:latin typeface="+mj-lt"/>
+                <a:ea typeface="+mj-ea"/>
+                <a:cs typeface="+mj-cs"/>
+              </a:defRPr>
+            </a:lvl1pPr>
+          </a:lstStyle>
+          <a:p>
+            <a:pPr marL="857250" indent="-857250" algn="l">
+              <a:lnSpc>
+                <a:spcPct val="150000"/>
+              </a:lnSpc>
+              <a:buFont typeface="Arial" panose="020B0604020202020204" pitchFamily="34" charset="0"/>
+              <a:buChar char="•"/>
+            </a:pPr>
+            <a:r>
+              <a:rPr lang="pl-PL" sz="1800" b="0" i="0" dirty="0">
+                <a:solidFill>
+                  <a:srgbClr val="4E443C"/>
+                </a:solidFill>
+                <a:effectLst/>
+                <a:latin typeface="Arial" panose="020B0604020202020204" pitchFamily="34" charset="0"/>
+              </a:rPr>
+              <a:t>Zatwierdzony – zmodyfikowany - śledzony</a:t>
+            </a:r>
+            <a:endParaRPr lang="en-US" sz="1800" b="1" dirty="0"/>
+          </a:p>
+        </p:txBody>
+      </p:sp>
+    </p:spTree>
+    <p:extLst>
+      <p:ext uri="{BB962C8B-B14F-4D97-AF65-F5344CB8AC3E}">
+        <p14:creationId xmlns:p14="http://schemas.microsoft.com/office/powerpoint/2010/main" val="301806216"/>
+      </p:ext>
+    </p:extLst>
+  </p:cSld>
+  <p:clrMapOvr>
+    <a:masterClrMapping/>
+  </p:clrMapOvr>
+</p:sld>
+</file>
+
+<file path=ppt/slides/slide9.xml><?xml version="1.0" encoding="utf-8"?>
 <p:sld xmlns:a="http://schemas.openxmlformats.org/drawingml/2006/main" xmlns:r="http://schemas.openxmlformats.org/officeDocument/2006/relationships" xmlns:p="http://schemas.openxmlformats.org/presentationml/2006/main">
   <p:cSld>
     <p:spTree>
